--- a/LectureSlides/1112Types.pptx
+++ b/LectureSlides/1112Types.pptx
@@ -267,7 +267,7 @@
           <a:p>
             <a:fld id="{EE70C295-4F4E-4F17-B79C-A6E846A3C032}" type="datetimeFigureOut">
               <a:rPr lang="en-US" smtClean="0"/>
-              <a:t>11/14/2024</a:t>
+              <a:t>12/20/2024</a:t>
             </a:fld>
             <a:endParaRPr lang="en-US"/>
           </a:p>
@@ -845,7 +845,7 @@
           <a:p>
             <a:fld id="{6A294981-DA21-4258-9E25-29AFCBA2ECE8}" type="datetime1">
               <a:rPr lang="en-US" smtClean="0"/>
-              <a:t>11/14/2024</a:t>
+              <a:t>12/20/2024</a:t>
             </a:fld>
             <a:endParaRPr lang="en-US"/>
           </a:p>
@@ -1053,7 +1053,7 @@
           <a:p>
             <a:fld id="{68F2F7C0-AF1B-47E7-A148-622252BCB03F}" type="datetime1">
               <a:rPr lang="en-US" smtClean="0"/>
-              <a:t>11/14/2024</a:t>
+              <a:t>12/20/2024</a:t>
             </a:fld>
             <a:endParaRPr lang="en-US"/>
           </a:p>
@@ -1309,7 +1309,7 @@
           <a:p>
             <a:fld id="{AD8F81FB-4C1B-4061-8573-098BFA359ECF}" type="datetime1">
               <a:rPr lang="en-US" smtClean="0"/>
-              <a:t>11/14/2024</a:t>
+              <a:t>12/20/2024</a:t>
             </a:fld>
             <a:endParaRPr lang="en-US"/>
           </a:p>
@@ -1494,7 +1494,7 @@
           <a:p>
             <a:fld id="{89C52E18-FD18-447C-B4DF-636843A33BCD}" type="datetime1">
               <a:rPr lang="en-US" smtClean="0"/>
-              <a:t>11/14/2024</a:t>
+              <a:t>12/20/2024</a:t>
             </a:fld>
             <a:endParaRPr lang="en-US"/>
           </a:p>
@@ -1837,7 +1837,7 @@
           <a:p>
             <a:fld id="{02238375-B8FA-453A-ADE8-FF1533E07FA0}" type="datetime1">
               <a:rPr lang="en-US" smtClean="0"/>
-              <a:t>11/14/2024</a:t>
+              <a:t>12/20/2024</a:t>
             </a:fld>
             <a:endParaRPr lang="en-US"/>
           </a:p>
@@ -2142,7 +2142,7 @@
           <a:p>
             <a:fld id="{241243A2-6634-42B5-8EF5-1376E415A0A1}" type="datetime1">
               <a:rPr lang="en-US" smtClean="0"/>
-              <a:t>11/14/2024</a:t>
+              <a:t>12/20/2024</a:t>
             </a:fld>
             <a:endParaRPr lang="en-US"/>
           </a:p>
@@ -2551,7 +2551,7 @@
           <a:p>
             <a:fld id="{0AF9FE25-8F38-4FC4-A6C5-D9B9462B4E9D}" type="datetime1">
               <a:rPr lang="en-US" smtClean="0"/>
-              <a:t>11/14/2024</a:t>
+              <a:t>12/20/2024</a:t>
             </a:fld>
             <a:endParaRPr lang="en-US"/>
           </a:p>
@@ -2669,7 +2669,7 @@
           <a:p>
             <a:fld id="{3AA1C01B-D4D6-4531-A34C-4D146F969731}" type="datetime1">
               <a:rPr lang="en-US" smtClean="0"/>
-              <a:t>11/14/2024</a:t>
+              <a:t>12/20/2024</a:t>
             </a:fld>
             <a:endParaRPr lang="en-US"/>
           </a:p>
@@ -2840,7 +2840,7 @@
           <a:p>
             <a:fld id="{6514EFC7-7699-4F01-BDAC-9FC8216DB306}" type="datetime1">
               <a:rPr lang="en-US" smtClean="0"/>
-              <a:t>11/14/2024</a:t>
+              <a:t>12/20/2024</a:t>
             </a:fld>
             <a:endParaRPr lang="en-US"/>
           </a:p>
@@ -3209,7 +3209,7 @@
           <a:p>
             <a:fld id="{884C2AB6-5F63-4B85-AC77-92075E192BD8}" type="datetime1">
               <a:rPr lang="en-US" smtClean="0"/>
-              <a:t>11/14/2024</a:t>
+              <a:t>12/20/2024</a:t>
             </a:fld>
             <a:endParaRPr lang="en-US"/>
           </a:p>
@@ -3586,7 +3586,7 @@
           <a:p>
             <a:fld id="{73713035-831F-4C93-84EC-04B78170B91B}" type="datetime1">
               <a:rPr lang="en-US" smtClean="0"/>
-              <a:t>11/14/2024</a:t>
+              <a:t>12/20/2024</a:t>
             </a:fld>
             <a:endParaRPr lang="en-US"/>
           </a:p>
@@ -3873,7 +3873,7 @@
           <a:p>
             <a:fld id="{014CEB06-3B53-45C6-AE79-33D91B432143}" type="datetime1">
               <a:rPr lang="en-US" smtClean="0"/>
-              <a:t>11/14/2024</a:t>
+              <a:t>12/20/2024</a:t>
             </a:fld>
             <a:endParaRPr lang="en-US"/>
           </a:p>
@@ -4421,7 +4421,7 @@
           <a:p>
             <a:r>
               <a:rPr lang="en-US" dirty="0"/>
-              <a:t>07 - Types</a:t>
+              <a:t>11,12 - Types</a:t>
             </a:r>
           </a:p>
         </p:txBody>
